--- a/ppt/3.Input and Output.pptx
+++ b/ppt/3.Input and Output.pptx
@@ -257,7 +257,7 @@
           <a:p>
             <a:fld id="{2B7C9D5F-B209-4528-A1A1-D03555D12D78}" type="datetimeFigureOut">
               <a:rPr lang="ko-KR" altLang="en-US" smtClean="0"/>
-              <a:t>2017-03-02</a:t>
+              <a:t>2017-03-22</a:t>
             </a:fld>
             <a:endParaRPr lang="ko-KR" altLang="en-US"/>
           </a:p>
@@ -427,7 +427,7 @@
           <a:p>
             <a:fld id="{2B7C9D5F-B209-4528-A1A1-D03555D12D78}" type="datetimeFigureOut">
               <a:rPr lang="ko-KR" altLang="en-US" smtClean="0"/>
-              <a:t>2017-03-02</a:t>
+              <a:t>2017-03-22</a:t>
             </a:fld>
             <a:endParaRPr lang="ko-KR" altLang="en-US"/>
           </a:p>
@@ -607,7 +607,7 @@
           <a:p>
             <a:fld id="{2B7C9D5F-B209-4528-A1A1-D03555D12D78}" type="datetimeFigureOut">
               <a:rPr lang="ko-KR" altLang="en-US" smtClean="0"/>
-              <a:t>2017-03-02</a:t>
+              <a:t>2017-03-22</a:t>
             </a:fld>
             <a:endParaRPr lang="ko-KR" altLang="en-US"/>
           </a:p>
@@ -777,7 +777,7 @@
           <a:p>
             <a:fld id="{2B7C9D5F-B209-4528-A1A1-D03555D12D78}" type="datetimeFigureOut">
               <a:rPr lang="ko-KR" altLang="en-US" smtClean="0"/>
-              <a:t>2017-03-02</a:t>
+              <a:t>2017-03-22</a:t>
             </a:fld>
             <a:endParaRPr lang="ko-KR" altLang="en-US"/>
           </a:p>
@@ -1023,7 +1023,7 @@
           <a:p>
             <a:fld id="{2B7C9D5F-B209-4528-A1A1-D03555D12D78}" type="datetimeFigureOut">
               <a:rPr lang="ko-KR" altLang="en-US" smtClean="0"/>
-              <a:t>2017-03-02</a:t>
+              <a:t>2017-03-22</a:t>
             </a:fld>
             <a:endParaRPr lang="ko-KR" altLang="en-US"/>
           </a:p>
@@ -1255,7 +1255,7 @@
           <a:p>
             <a:fld id="{2B7C9D5F-B209-4528-A1A1-D03555D12D78}" type="datetimeFigureOut">
               <a:rPr lang="ko-KR" altLang="en-US" smtClean="0"/>
-              <a:t>2017-03-02</a:t>
+              <a:t>2017-03-22</a:t>
             </a:fld>
             <a:endParaRPr lang="ko-KR" altLang="en-US"/>
           </a:p>
@@ -1622,7 +1622,7 @@
           <a:p>
             <a:fld id="{2B7C9D5F-B209-4528-A1A1-D03555D12D78}" type="datetimeFigureOut">
               <a:rPr lang="ko-KR" altLang="en-US" smtClean="0"/>
-              <a:t>2017-03-02</a:t>
+              <a:t>2017-03-22</a:t>
             </a:fld>
             <a:endParaRPr lang="ko-KR" altLang="en-US"/>
           </a:p>
@@ -1740,7 +1740,7 @@
           <a:p>
             <a:fld id="{2B7C9D5F-B209-4528-A1A1-D03555D12D78}" type="datetimeFigureOut">
               <a:rPr lang="ko-KR" altLang="en-US" smtClean="0"/>
-              <a:t>2017-03-02</a:t>
+              <a:t>2017-03-22</a:t>
             </a:fld>
             <a:endParaRPr lang="ko-KR" altLang="en-US"/>
           </a:p>
@@ -1835,7 +1835,7 @@
           <a:p>
             <a:fld id="{2B7C9D5F-B209-4528-A1A1-D03555D12D78}" type="datetimeFigureOut">
               <a:rPr lang="ko-KR" altLang="en-US" smtClean="0"/>
-              <a:t>2017-03-02</a:t>
+              <a:t>2017-03-22</a:t>
             </a:fld>
             <a:endParaRPr lang="ko-KR" altLang="en-US"/>
           </a:p>
@@ -2112,7 +2112,7 @@
           <a:p>
             <a:fld id="{2B7C9D5F-B209-4528-A1A1-D03555D12D78}" type="datetimeFigureOut">
               <a:rPr lang="ko-KR" altLang="en-US" smtClean="0"/>
-              <a:t>2017-03-02</a:t>
+              <a:t>2017-03-22</a:t>
             </a:fld>
             <a:endParaRPr lang="ko-KR" altLang="en-US"/>
           </a:p>
@@ -2365,7 +2365,7 @@
           <a:p>
             <a:fld id="{2B7C9D5F-B209-4528-A1A1-D03555D12D78}" type="datetimeFigureOut">
               <a:rPr lang="ko-KR" altLang="en-US" smtClean="0"/>
-              <a:t>2017-03-02</a:t>
+              <a:t>2017-03-22</a:t>
             </a:fld>
             <a:endParaRPr lang="ko-KR" altLang="en-US"/>
           </a:p>
@@ -2578,7 +2578,7 @@
           <a:p>
             <a:fld id="{2B7C9D5F-B209-4528-A1A1-D03555D12D78}" type="datetimeFigureOut">
               <a:rPr lang="ko-KR" altLang="en-US" smtClean="0"/>
-              <a:t>2017-03-02</a:t>
+              <a:t>2017-03-22</a:t>
             </a:fld>
             <a:endParaRPr lang="ko-KR" altLang="en-US"/>
           </a:p>
@@ -4095,8 +4095,8 @@
           <a:chExt cx="0" cy="0"/>
         </a:xfrm>
       </p:grpSpPr>
-      <mc:AlternateContent xmlns:mc="http://schemas.openxmlformats.org/markup-compatibility/2006">
-        <mc:Choice xmlns:a14="http://schemas.microsoft.com/office/drawing/2010/main" Requires="a14">
+      <mc:AlternateContent xmlns:mc="http://schemas.openxmlformats.org/markup-compatibility/2006" xmlns:a14="http://schemas.microsoft.com/office/drawing/2010/main">
+        <mc:Choice Requires="a14">
           <p:sp>
             <p:nvSpPr>
               <p:cNvPr id="2" name="제목 1"/>
@@ -4167,7 +4167,7 @@
             </p:txBody>
           </p:sp>
         </mc:Choice>
-        <mc:Fallback>
+        <mc:Fallback xmlns="">
           <p:sp>
             <p:nvSpPr>
               <p:cNvPr id="2" name="제목 1"/>
@@ -4410,12 +4410,6 @@
               </a:rPr>
               <a:t>), type="n", </a:t>
             </a:r>
-            <a:r>
-              <a:rPr lang="en-US" altLang="ko-KR" sz="2400" spc="-150" dirty="0" smtClean="0">
-                <a:latin typeface="Consolas" panose="020B0609020204030204" pitchFamily="49" charset="0"/>
-              </a:rPr>
-              <a:t/>
-            </a:r>
             <a:br>
               <a:rPr lang="en-US" altLang="ko-KR" sz="2400" spc="-150" dirty="0" smtClean="0">
                 <a:latin typeface="Consolas" panose="020B0609020204030204" pitchFamily="49" charset="0"/>
@@ -4449,30 +4443,18 @@
               <a:rPr lang="en-US" altLang="ko-KR" sz="2400" spc="-150" dirty="0" smtClean="0">
                 <a:latin typeface="Consolas" panose="020B0609020204030204" pitchFamily="49" charset="0"/>
               </a:rPr>
-              <a:t>="y</a:t>
-            </a:r>
+              <a:t>="y")</a:t>
+            </a:r>
+          </a:p>
+          <a:p>
+            <a:pPr marL="0" indent="0">
+              <a:buNone/>
+            </a:pPr>
             <a:r>
               <a:rPr lang="en-US" altLang="ko-KR" sz="2400" spc="-150" dirty="0" smtClean="0">
                 <a:latin typeface="Consolas" panose="020B0609020204030204" pitchFamily="49" charset="0"/>
               </a:rPr>
-              <a:t>")</a:t>
-            </a:r>
-          </a:p>
-          <a:p>
-            <a:pPr marL="0" indent="0">
-              <a:buNone/>
-            </a:pPr>
-            <a:r>
-              <a:rPr lang="en-US" altLang="ko-KR" sz="2400" spc="-150" dirty="0" smtClean="0">
-                <a:latin typeface="Consolas" panose="020B0609020204030204" pitchFamily="49" charset="0"/>
-              </a:rPr>
-              <a:t>lines(x</a:t>
-            </a:r>
-            <a:r>
-              <a:rPr lang="en-US" altLang="ko-KR" sz="2400" spc="-150" dirty="0" smtClean="0">
-                <a:latin typeface="Consolas" panose="020B0609020204030204" pitchFamily="49" charset="0"/>
-              </a:rPr>
-              <a:t>, </a:t>
+              <a:t>lines(x, </a:t>
             </a:r>
             <a:r>
               <a:rPr lang="en-US" altLang="ko-KR" sz="2400" spc="-150" dirty="0" err="1" smtClean="0">
@@ -4865,23 +4847,8 @@
               <a:rPr lang="en-US" altLang="ko-KR" spc="-150" dirty="0" smtClean="0">
                 <a:cs typeface="Consolas" panose="020B0609020204030204" pitchFamily="49" charset="0"/>
               </a:rPr>
-              <a:t>creates </a:t>
-            </a:r>
-            <a:r>
-              <a:rPr lang="en-US" altLang="ko-KR" spc="-150" dirty="0" smtClean="0">
-                <a:cs typeface="Consolas" panose="020B0609020204030204" pitchFamily="49" charset="0"/>
-              </a:rPr>
-              <a:t>a grid of plots</a:t>
-            </a:r>
-            <a:r>
-              <a:rPr lang="en-US" altLang="ko-KR" spc="-150" dirty="0" smtClean="0">
-                <a:cs typeface="Consolas" panose="020B0609020204030204" pitchFamily="49" charset="0"/>
-              </a:rPr>
-              <a:t>.</a:t>
-            </a:r>
-            <a:endParaRPr lang="en-US" altLang="ko-KR" spc="-150" dirty="0" smtClean="0">
-              <a:cs typeface="Consolas" panose="020B0609020204030204" pitchFamily="49" charset="0"/>
-            </a:endParaRPr>
+              <a:t>creates a grid of plots.</a:t>
+            </a:r>
           </a:p>
           <a:p>
             <a:pPr lvl="1"/>
@@ -5369,16 +5336,28 @@
               <a:buNone/>
             </a:pPr>
             <a:r>
-              <a:rPr lang="en-US" altLang="ko-KR" spc="-150" dirty="0" smtClean="0">
+              <a:rPr lang="en-US" altLang="ko-KR" spc="-150" smtClean="0">
                 <a:cs typeface="Consolas" panose="020B0609020204030204" pitchFamily="49" charset="0"/>
               </a:rPr>
               <a:t>&gt; </a:t>
             </a:r>
             <a:r>
+              <a:rPr lang="en-US" altLang="ko-KR" i="1" spc="-150" smtClean="0">
+                <a:cs typeface="Consolas" panose="020B0609020204030204" pitchFamily="49" charset="0"/>
+              </a:rPr>
+              <a:t>z</a:t>
+            </a:r>
+            <a:r>
+              <a:rPr lang="en-US" altLang="ko-KR" i="1" spc="-150" smtClean="0">
+                <a:cs typeface="Consolas" panose="020B0609020204030204" pitchFamily="49" charset="0"/>
+              </a:rPr>
+              <a:t> </a:t>
+            </a:r>
+            <a:r>
               <a:rPr lang="en-US" altLang="ko-KR" i="1" spc="-150" dirty="0" smtClean="0">
                 <a:cs typeface="Consolas" panose="020B0609020204030204" pitchFamily="49" charset="0"/>
               </a:rPr>
-              <a:t>x &lt;- "Ford Falcon GT-HO"</a:t>
+              <a:t>&lt;- "Ford Falcon GT-HO"</a:t>
             </a:r>
           </a:p>
           <a:p>
@@ -5780,16 +5759,58 @@
             </a:r>
             <a:r>
               <a:rPr lang="en-US" altLang="ko-KR" dirty="0" smtClean="0"/>
+              <a:t> function is the most flexible one.</a:t>
+            </a:r>
+          </a:p>
+          <a:p>
+            <a:pPr lvl="1"/>
+            <a:r>
+              <a:rPr lang="en-US" altLang="ko-KR" spc="-150" dirty="0" smtClean="0">
+                <a:latin typeface="Consolas" panose="020B0609020204030204" pitchFamily="49" charset="0"/>
+                <a:cs typeface="Consolas" panose="020B0609020204030204" pitchFamily="49" charset="0"/>
+              </a:rPr>
+              <a:t>scan</a:t>
+            </a:r>
+            <a:r>
+              <a:rPr lang="en-US" altLang="ko-KR" dirty="0" smtClean="0"/>
+              <a:t> to read a vector of values from a file.</a:t>
+            </a:r>
+          </a:p>
+          <a:p>
+            <a:r>
+              <a:rPr lang="en-US" altLang="ko-KR" spc="-150" dirty="0" smtClean="0">
+                <a:latin typeface="Consolas" panose="020B0609020204030204" pitchFamily="49" charset="0"/>
+                <a:cs typeface="Consolas" panose="020B0609020204030204" pitchFamily="49" charset="0"/>
+              </a:rPr>
+              <a:t>scan(file= "", what=0, n=-1, </a:t>
+            </a:r>
+            <a:r>
+              <a:rPr lang="en-US" altLang="ko-KR" spc="-150" dirty="0" err="1" smtClean="0">
+                <a:latin typeface="Consolas" panose="020B0609020204030204" pitchFamily="49" charset="0"/>
+                <a:cs typeface="Consolas" panose="020B0609020204030204" pitchFamily="49" charset="0"/>
+              </a:rPr>
+              <a:t>sep</a:t>
+            </a:r>
+            <a:r>
+              <a:rPr lang="en-US" altLang="ko-KR" spc="-150" dirty="0" smtClean="0">
+                <a:latin typeface="Consolas" panose="020B0609020204030204" pitchFamily="49" charset="0"/>
+                <a:cs typeface="Consolas" panose="020B0609020204030204" pitchFamily="49" charset="0"/>
+              </a:rPr>
+              <a:t>="", skip=0, quiet=FALSE)</a:t>
+            </a:r>
+          </a:p>
+          <a:p>
+            <a:pPr lvl="1"/>
+            <a:r>
+              <a:rPr lang="en-US" altLang="ko-KR" dirty="0" smtClean="0">
+                <a:cs typeface="Consolas" panose="020B0609020204030204" pitchFamily="49" charset="0"/>
+              </a:rPr>
+              <a:t>all parameters are optional</a:t>
+            </a:r>
+            <a:r>
+              <a:rPr lang="en-US" altLang="ko-KR" dirty="0" smtClean="0"/>
               <a:t> </a:t>
             </a:r>
-            <a:r>
-              <a:rPr lang="en-US" altLang="ko-KR" dirty="0" smtClean="0"/>
-              <a:t>function is the </a:t>
-            </a:r>
-            <a:r>
-              <a:rPr lang="en-US" altLang="ko-KR" dirty="0" smtClean="0"/>
-              <a:t>most flexible one.</a:t>
-            </a:r>
           </a:p>
           <a:p>
             <a:pPr lvl="1"/>
@@ -5798,73 +5819,18 @@
                 <a:latin typeface="Consolas" panose="020B0609020204030204" pitchFamily="49" charset="0"/>
                 <a:cs typeface="Consolas" panose="020B0609020204030204" pitchFamily="49" charset="0"/>
               </a:rPr>
-              <a:t>scan</a:t>
-            </a:r>
-            <a:r>
-              <a:rPr lang="en-US" altLang="ko-KR" dirty="0" smtClean="0"/>
-              <a:t> to read a vector of values from a file.</a:t>
-            </a:r>
-          </a:p>
-          <a:p>
-            <a:r>
-              <a:rPr lang="en-US" altLang="ko-KR" spc="-150" dirty="0" smtClean="0">
-                <a:latin typeface="Consolas" panose="020B0609020204030204" pitchFamily="49" charset="0"/>
-                <a:cs typeface="Consolas" panose="020B0609020204030204" pitchFamily="49" charset="0"/>
-              </a:rPr>
-              <a:t>scan(file= "", what=0, n=-1, </a:t>
-            </a:r>
-            <a:r>
-              <a:rPr lang="en-US" altLang="ko-KR" spc="-150" dirty="0" err="1" smtClean="0">
-                <a:latin typeface="Consolas" panose="020B0609020204030204" pitchFamily="49" charset="0"/>
-                <a:cs typeface="Consolas" panose="020B0609020204030204" pitchFamily="49" charset="0"/>
-              </a:rPr>
-              <a:t>sep</a:t>
-            </a:r>
-            <a:r>
-              <a:rPr lang="en-US" altLang="ko-KR" spc="-150" dirty="0" smtClean="0">
-                <a:latin typeface="Consolas" panose="020B0609020204030204" pitchFamily="49" charset="0"/>
-                <a:cs typeface="Consolas" panose="020B0609020204030204" pitchFamily="49" charset="0"/>
-              </a:rPr>
-              <a:t>="", skip=0, quiet=FALSE)</a:t>
-            </a:r>
-          </a:p>
-          <a:p>
-            <a:pPr lvl="1"/>
-            <a:r>
-              <a:rPr lang="en-US" altLang="ko-KR" dirty="0" smtClean="0">
-                <a:cs typeface="Consolas" panose="020B0609020204030204" pitchFamily="49" charset="0"/>
-              </a:rPr>
-              <a:t>all parameters are optional</a:t>
-            </a:r>
-            <a:r>
-              <a:rPr lang="en-US" altLang="ko-KR" dirty="0" smtClean="0"/>
-              <a:t> </a:t>
-            </a:r>
-          </a:p>
-          <a:p>
-            <a:pPr lvl="1"/>
-            <a:r>
-              <a:rPr lang="en-US" altLang="ko-KR" spc="-150" dirty="0" smtClean="0">
-                <a:latin typeface="Consolas" panose="020B0609020204030204" pitchFamily="49" charset="0"/>
-                <a:cs typeface="Consolas" panose="020B0609020204030204" pitchFamily="49" charset="0"/>
-              </a:rPr>
               <a:t>file</a:t>
             </a:r>
             <a:r>
               <a:rPr lang="en-US" altLang="ko-KR" dirty="0" smtClean="0"/>
               <a:t> gives the file to read from. </a:t>
             </a:r>
-            <a:endParaRPr lang="en-US" altLang="ko-KR" dirty="0" smtClean="0"/>
           </a:p>
           <a:p>
             <a:pPr lvl="2"/>
             <a:r>
               <a:rPr lang="en-US" altLang="ko-KR" dirty="0" smtClean="0"/>
-              <a:t>The </a:t>
-            </a:r>
-            <a:r>
-              <a:rPr lang="en-US" altLang="ko-KR" dirty="0" smtClean="0"/>
-              <a:t>default " " indicates read from the keyboard.</a:t>
+              <a:t>The default " " indicates read from the keyboard.</a:t>
             </a:r>
           </a:p>
           <a:p>
@@ -6051,7 +6017,6 @@
               <a:rPr lang="en-US" altLang="ko-KR" dirty="0" smtClean="0"/>
               <a:t># You need to change the path of the file accordingly.</a:t>
             </a:r>
-            <a:endParaRPr lang="en-US" altLang="ko-KR" dirty="0" smtClean="0"/>
           </a:p>
           <a:p>
             <a:pPr marL="0" indent="0">
@@ -6085,13 +6050,7 @@
               <a:rPr lang="en-US" altLang="ko-KR" spc="-150" dirty="0" smtClean="0">
                 <a:latin typeface="Consolas" panose="020B0609020204030204" pitchFamily="49" charset="0"/>
               </a:rPr>
-              <a:t>Code/R/simulation/data1.txt</a:t>
-            </a:r>
-            <a:r>
-              <a:rPr lang="en-US" altLang="ko-KR" spc="-150" dirty="0" smtClean="0">
-                <a:latin typeface="Consolas" panose="020B0609020204030204" pitchFamily="49" charset="0"/>
-              </a:rPr>
-              <a:t>")</a:t>
+              <a:t>Code/R/simulation/data1.txt")</a:t>
             </a:r>
             <a:br>
               <a:rPr lang="en-US" altLang="ko-KR" spc="-150" dirty="0" smtClean="0">
@@ -6789,11 +6748,7 @@
           <a:p>
             <a:r>
               <a:rPr lang="en-US" altLang="ko-KR" sz="2800" dirty="0" smtClean="0"/>
-              <a:t>Example : Root </a:t>
-            </a:r>
-            <a:r>
-              <a:rPr lang="en-US" altLang="ko-KR" sz="2800" dirty="0" smtClean="0"/>
-              <a:t>of quadratic</a:t>
+              <a:t>Example : Root of quadratic</a:t>
             </a:r>
             <a:endParaRPr lang="ko-KR" altLang="en-US" sz="2800" dirty="0"/>
           </a:p>
@@ -6835,60 +6790,42 @@
               <a:rPr lang="en-US" altLang="ko-KR" sz="1800" spc="-150" dirty="0" smtClean="0">
                 <a:latin typeface="Consolas" panose="020B0609020204030204" pitchFamily="49" charset="0"/>
               </a:rPr>
-              <a:t>cat("find zeros of a2*x^2 +a1*x +a0 = 0\n</a:t>
-            </a:r>
+              <a:t>cat("find zeros of a2*x^2 +a1*x +a0 = 0\n")</a:t>
+            </a:r>
+          </a:p>
+          <a:p>
+            <a:pPr marL="0" indent="0">
+              <a:buNone/>
+            </a:pPr>
             <a:r>
               <a:rPr lang="en-US" altLang="ko-KR" sz="1800" spc="-150" dirty="0" smtClean="0">
                 <a:latin typeface="Consolas" panose="020B0609020204030204" pitchFamily="49" charset="0"/>
               </a:rPr>
-              <a:t>")</a:t>
-            </a:r>
-          </a:p>
-          <a:p>
-            <a:pPr marL="0" indent="0">
-              <a:buNone/>
-            </a:pPr>
+              <a:t>a2 &lt;- </a:t>
+            </a:r>
+            <a:r>
+              <a:rPr lang="en-US" altLang="ko-KR" sz="1800" spc="-150" dirty="0" err="1" smtClean="0">
+                <a:latin typeface="Consolas" panose="020B0609020204030204" pitchFamily="49" charset="0"/>
+              </a:rPr>
+              <a:t>as.numeric</a:t>
+            </a:r>
             <a:r>
               <a:rPr lang="en-US" altLang="ko-KR" sz="1800" spc="-150" dirty="0" smtClean="0">
                 <a:latin typeface="Consolas" panose="020B0609020204030204" pitchFamily="49" charset="0"/>
               </a:rPr>
-              <a:t>a2 </a:t>
+              <a:t>(</a:t>
+            </a:r>
+            <a:r>
+              <a:rPr lang="en-US" altLang="ko-KR" sz="1800" spc="-150" dirty="0" err="1" smtClean="0">
+                <a:latin typeface="Consolas" panose="020B0609020204030204" pitchFamily="49" charset="0"/>
+              </a:rPr>
+              <a:t>readline</a:t>
             </a:r>
             <a:r>
               <a:rPr lang="en-US" altLang="ko-KR" sz="1800" spc="-150" dirty="0" smtClean="0">
                 <a:latin typeface="Consolas" panose="020B0609020204030204" pitchFamily="49" charset="0"/>
               </a:rPr>
-              <a:t>&lt;- </a:t>
-            </a:r>
-            <a:r>
-              <a:rPr lang="en-US" altLang="ko-KR" sz="1800" spc="-150" dirty="0" err="1" smtClean="0">
-                <a:latin typeface="Consolas" panose="020B0609020204030204" pitchFamily="49" charset="0"/>
-              </a:rPr>
-              <a:t>as.numeric</a:t>
-            </a:r>
-            <a:r>
-              <a:rPr lang="en-US" altLang="ko-KR" sz="1800" spc="-150" dirty="0" smtClean="0">
-                <a:latin typeface="Consolas" panose="020B0609020204030204" pitchFamily="49" charset="0"/>
-              </a:rPr>
-              <a:t>(</a:t>
-            </a:r>
-            <a:r>
-              <a:rPr lang="en-US" altLang="ko-KR" sz="1800" spc="-150" dirty="0" err="1" smtClean="0">
-                <a:latin typeface="Consolas" panose="020B0609020204030204" pitchFamily="49" charset="0"/>
-              </a:rPr>
-              <a:t>readline</a:t>
-            </a:r>
-            <a:r>
-              <a:rPr lang="en-US" altLang="ko-KR" sz="1800" spc="-150" dirty="0" smtClean="0">
-                <a:latin typeface="Consolas" panose="020B0609020204030204" pitchFamily="49" charset="0"/>
-              </a:rPr>
-              <a:t>("a2= </a:t>
-            </a:r>
-            <a:r>
-              <a:rPr lang="en-US" altLang="ko-KR" sz="1800" spc="-150" dirty="0" smtClean="0">
-                <a:latin typeface="Consolas" panose="020B0609020204030204" pitchFamily="49" charset="0"/>
-              </a:rPr>
-              <a:t>"))</a:t>
+              <a:t>("a2= "))</a:t>
             </a:r>
             <a:br>
               <a:rPr lang="en-US" altLang="ko-KR" sz="1800" spc="-150" dirty="0" smtClean="0">
@@ -6929,13 +6866,7 @@
               <a:rPr lang="en-US" altLang="ko-KR" sz="1800" spc="-150" dirty="0" smtClean="0">
                 <a:latin typeface="Consolas" panose="020B0609020204030204" pitchFamily="49" charset="0"/>
               </a:rPr>
-              <a:t>("a1= </a:t>
-            </a:r>
-            <a:r>
-              <a:rPr lang="en-US" altLang="ko-KR" sz="1800" spc="-150" dirty="0" smtClean="0">
-                <a:latin typeface="Consolas" panose="020B0609020204030204" pitchFamily="49" charset="0"/>
-              </a:rPr>
-              <a:t>"))</a:t>
+              <a:t>("a1= "))</a:t>
             </a:r>
             <a:br>
               <a:rPr lang="en-US" altLang="ko-KR" sz="1800" spc="-150" dirty="0" smtClean="0">
@@ -6976,13 +6907,7 @@
               <a:rPr lang="en-US" altLang="ko-KR" sz="1800" spc="-150" dirty="0" smtClean="0">
                 <a:latin typeface="Consolas" panose="020B0609020204030204" pitchFamily="49" charset="0"/>
               </a:rPr>
-              <a:t>("a0= </a:t>
-            </a:r>
-            <a:r>
-              <a:rPr lang="en-US" altLang="ko-KR" sz="1800" spc="-150" dirty="0" smtClean="0">
-                <a:latin typeface="Consolas" panose="020B0609020204030204" pitchFamily="49" charset="0"/>
-              </a:rPr>
-              <a:t>"))</a:t>
+              <a:t>("a0= "))</a:t>
             </a:r>
             <a:endParaRPr lang="en-US" altLang="ko-KR" sz="1800" spc="-150" dirty="0">
               <a:latin typeface="Consolas" panose="020B0609020204030204" pitchFamily="49" charset="0"/>
@@ -7014,13 +6939,7 @@
               <a:rPr lang="en-US" altLang="ko-KR" sz="1800" spc="-150" dirty="0" smtClean="0">
                 <a:latin typeface="Consolas" panose="020B0609020204030204" pitchFamily="49" charset="0"/>
               </a:rPr>
-              <a:t>- </a:t>
-            </a:r>
-            <a:r>
-              <a:rPr lang="en-US" altLang="ko-KR" sz="1800" spc="-150" dirty="0" smtClean="0">
-                <a:latin typeface="Consolas" panose="020B0609020204030204" pitchFamily="49" charset="0"/>
-              </a:rPr>
-              <a:t>4*a2*a0</a:t>
+              <a:t>- 4*a2*a0</a:t>
             </a:r>
             <a:endParaRPr lang="en-US" altLang="ko-KR" sz="1800" spc="-150" dirty="0">
               <a:latin typeface="Consolas" panose="020B0609020204030204" pitchFamily="49" charset="0"/>

--- a/ppt/3.Input and Output.pptx
+++ b/ppt/3.Input and Output.pptx
@@ -3302,8 +3302,13 @@
             </a:r>
             <a:r>
               <a:rPr lang="en-US" altLang="ko-KR" dirty="0" smtClean="0"/>
-              <a:t> is more flexible command for </a:t>
-            </a:r>
+              <a:t> is more flexible </a:t>
+            </a:r>
+            <a:r>
+              <a:rPr lang="en-US" altLang="ko-KR" dirty="0" smtClean="0"/>
+              <a:t>command.</a:t>
+            </a:r>
+            <a:endParaRPr lang="en-US" altLang="ko-KR" dirty="0" smtClean="0"/>
           </a:p>
           <a:p>
             <a:r>
@@ -5336,19 +5341,19 @@
               <a:buNone/>
             </a:pPr>
             <a:r>
-              <a:rPr lang="en-US" altLang="ko-KR" spc="-150" smtClean="0">
+              <a:rPr lang="en-US" altLang="ko-KR" spc="-150" dirty="0" smtClean="0">
                 <a:cs typeface="Consolas" panose="020B0609020204030204" pitchFamily="49" charset="0"/>
               </a:rPr>
               <a:t>&gt; </a:t>
             </a:r>
             <a:r>
-              <a:rPr lang="en-US" altLang="ko-KR" i="1" spc="-150" smtClean="0">
+              <a:rPr lang="en-US" altLang="ko-KR" i="1" spc="-150" dirty="0" smtClean="0">
                 <a:cs typeface="Consolas" panose="020B0609020204030204" pitchFamily="49" charset="0"/>
               </a:rPr>
               <a:t>z</a:t>
             </a:r>
             <a:r>
-              <a:rPr lang="en-US" altLang="ko-KR" i="1" spc="-150" smtClean="0">
+              <a:rPr lang="en-US" altLang="ko-KR" i="1" spc="-150" dirty="0" smtClean="0">
                 <a:cs typeface="Consolas" panose="020B0609020204030204" pitchFamily="49" charset="0"/>
               </a:rPr>
               <a:t> </a:t>

--- a/ppt/3.Input and Output.pptx
+++ b/ppt/3.Input and Output.pptx
@@ -257,7 +257,7 @@
           <a:p>
             <a:fld id="{2B7C9D5F-B209-4528-A1A1-D03555D12D78}" type="datetimeFigureOut">
               <a:rPr lang="ko-KR" altLang="en-US" smtClean="0"/>
-              <a:t>2017-03-22</a:t>
+              <a:t>2017-03-29</a:t>
             </a:fld>
             <a:endParaRPr lang="ko-KR" altLang="en-US"/>
           </a:p>
@@ -427,7 +427,7 @@
           <a:p>
             <a:fld id="{2B7C9D5F-B209-4528-A1A1-D03555D12D78}" type="datetimeFigureOut">
               <a:rPr lang="ko-KR" altLang="en-US" smtClean="0"/>
-              <a:t>2017-03-22</a:t>
+              <a:t>2017-03-29</a:t>
             </a:fld>
             <a:endParaRPr lang="ko-KR" altLang="en-US"/>
           </a:p>
@@ -607,7 +607,7 @@
           <a:p>
             <a:fld id="{2B7C9D5F-B209-4528-A1A1-D03555D12D78}" type="datetimeFigureOut">
               <a:rPr lang="ko-KR" altLang="en-US" smtClean="0"/>
-              <a:t>2017-03-22</a:t>
+              <a:t>2017-03-29</a:t>
             </a:fld>
             <a:endParaRPr lang="ko-KR" altLang="en-US"/>
           </a:p>
@@ -777,7 +777,7 @@
           <a:p>
             <a:fld id="{2B7C9D5F-B209-4528-A1A1-D03555D12D78}" type="datetimeFigureOut">
               <a:rPr lang="ko-KR" altLang="en-US" smtClean="0"/>
-              <a:t>2017-03-22</a:t>
+              <a:t>2017-03-29</a:t>
             </a:fld>
             <a:endParaRPr lang="ko-KR" altLang="en-US"/>
           </a:p>
@@ -1023,7 +1023,7 @@
           <a:p>
             <a:fld id="{2B7C9D5F-B209-4528-A1A1-D03555D12D78}" type="datetimeFigureOut">
               <a:rPr lang="ko-KR" altLang="en-US" smtClean="0"/>
-              <a:t>2017-03-22</a:t>
+              <a:t>2017-03-29</a:t>
             </a:fld>
             <a:endParaRPr lang="ko-KR" altLang="en-US"/>
           </a:p>
@@ -1255,7 +1255,7 @@
           <a:p>
             <a:fld id="{2B7C9D5F-B209-4528-A1A1-D03555D12D78}" type="datetimeFigureOut">
               <a:rPr lang="ko-KR" altLang="en-US" smtClean="0"/>
-              <a:t>2017-03-22</a:t>
+              <a:t>2017-03-29</a:t>
             </a:fld>
             <a:endParaRPr lang="ko-KR" altLang="en-US"/>
           </a:p>
@@ -1622,7 +1622,7 @@
           <a:p>
             <a:fld id="{2B7C9D5F-B209-4528-A1A1-D03555D12D78}" type="datetimeFigureOut">
               <a:rPr lang="ko-KR" altLang="en-US" smtClean="0"/>
-              <a:t>2017-03-22</a:t>
+              <a:t>2017-03-29</a:t>
             </a:fld>
             <a:endParaRPr lang="ko-KR" altLang="en-US"/>
           </a:p>
@@ -1740,7 +1740,7 @@
           <a:p>
             <a:fld id="{2B7C9D5F-B209-4528-A1A1-D03555D12D78}" type="datetimeFigureOut">
               <a:rPr lang="ko-KR" altLang="en-US" smtClean="0"/>
-              <a:t>2017-03-22</a:t>
+              <a:t>2017-03-29</a:t>
             </a:fld>
             <a:endParaRPr lang="ko-KR" altLang="en-US"/>
           </a:p>
@@ -1835,7 +1835,7 @@
           <a:p>
             <a:fld id="{2B7C9D5F-B209-4528-A1A1-D03555D12D78}" type="datetimeFigureOut">
               <a:rPr lang="ko-KR" altLang="en-US" smtClean="0"/>
-              <a:t>2017-03-22</a:t>
+              <a:t>2017-03-29</a:t>
             </a:fld>
             <a:endParaRPr lang="ko-KR" altLang="en-US"/>
           </a:p>
@@ -2112,7 +2112,7 @@
           <a:p>
             <a:fld id="{2B7C9D5F-B209-4528-A1A1-D03555D12D78}" type="datetimeFigureOut">
               <a:rPr lang="ko-KR" altLang="en-US" smtClean="0"/>
-              <a:t>2017-03-22</a:t>
+              <a:t>2017-03-29</a:t>
             </a:fld>
             <a:endParaRPr lang="ko-KR" altLang="en-US"/>
           </a:p>
@@ -2365,7 +2365,7 @@
           <a:p>
             <a:fld id="{2B7C9D5F-B209-4528-A1A1-D03555D12D78}" type="datetimeFigureOut">
               <a:rPr lang="ko-KR" altLang="en-US" smtClean="0"/>
-              <a:t>2017-03-22</a:t>
+              <a:t>2017-03-29</a:t>
             </a:fld>
             <a:endParaRPr lang="ko-KR" altLang="en-US"/>
           </a:p>
@@ -2578,7 +2578,7 @@
           <a:p>
             <a:fld id="{2B7C9D5F-B209-4528-A1A1-D03555D12D78}" type="datetimeFigureOut">
               <a:rPr lang="ko-KR" altLang="en-US" smtClean="0"/>
-              <a:t>2017-03-22</a:t>
+              <a:t>2017-03-29</a:t>
             </a:fld>
             <a:endParaRPr lang="ko-KR" altLang="en-US"/>
           </a:p>
@@ -3302,13 +3302,8 @@
             </a:r>
             <a:r>
               <a:rPr lang="en-US" altLang="ko-KR" dirty="0" smtClean="0"/>
-              <a:t> is more flexible </a:t>
-            </a:r>
-            <a:r>
-              <a:rPr lang="en-US" altLang="ko-KR" dirty="0" smtClean="0"/>
-              <a:t>command.</a:t>
-            </a:r>
-            <a:endParaRPr lang="en-US" altLang="ko-KR" dirty="0" smtClean="0"/>
+              <a:t> is more flexible command.</a:t>
+            </a:r>
           </a:p>
           <a:p>
             <a:r>
@@ -5350,19 +5345,7 @@
               <a:rPr lang="en-US" altLang="ko-KR" i="1" spc="-150" dirty="0" smtClean="0">
                 <a:cs typeface="Consolas" panose="020B0609020204030204" pitchFamily="49" charset="0"/>
               </a:rPr>
-              <a:t>z</a:t>
-            </a:r>
-            <a:r>
-              <a:rPr lang="en-US" altLang="ko-KR" i="1" spc="-150" dirty="0" smtClean="0">
-                <a:cs typeface="Consolas" panose="020B0609020204030204" pitchFamily="49" charset="0"/>
-              </a:rPr>
-              <a:t> </a:t>
-            </a:r>
-            <a:r>
-              <a:rPr lang="en-US" altLang="ko-KR" i="1" spc="-150" dirty="0" smtClean="0">
-                <a:cs typeface="Consolas" panose="020B0609020204030204" pitchFamily="49" charset="0"/>
-              </a:rPr>
-              <a:t>&lt;- "Ford Falcon GT-HO"</a:t>
+              <a:t>z &lt;- "Ford Falcon GT-HO"</a:t>
             </a:r>
           </a:p>
           <a:p>
@@ -7313,14 +7296,61 @@
             </a:r>
           </a:p>
           <a:p>
-            <a:r>
-              <a:rPr lang="en-US" altLang="ko-KR" sz="1800" i="1" dirty="0" smtClean="0"/>
-              <a:t>&gt; source(" path of the source code ")</a:t>
-            </a:r>
-            <a:endParaRPr lang="ko-KR" altLang="en-US" sz="1800" i="1" dirty="0"/>
-          </a:p>
-        </p:txBody>
-      </p:sp>
+            <a:pPr lvl="1"/>
+            <a:r>
+              <a:rPr lang="en-US" altLang="ko-KR" sz="1400" i="1" dirty="0" smtClean="0"/>
+              <a:t>&gt; source(" path of the source code </a:t>
+            </a:r>
+            <a:r>
+              <a:rPr lang="en-US" altLang="ko-KR" sz="1400" i="1" dirty="0" smtClean="0"/>
+              <a:t>")</a:t>
+            </a:r>
+          </a:p>
+          <a:p>
+            <a:r>
+              <a:rPr lang="en-US" altLang="ko-KR" sz="1800" smtClean="0"/>
+              <a:t>Or, </a:t>
+            </a:r>
+            <a:r>
+              <a:rPr lang="en-US" altLang="ko-KR" sz="1800" dirty="0" smtClean="0"/>
+              <a:t>in </a:t>
+            </a:r>
+            <a:r>
+              <a:rPr lang="en-US" altLang="ko-KR" sz="1800" dirty="0" err="1" smtClean="0"/>
+              <a:t>Rstudio</a:t>
+            </a:r>
+            <a:r>
+              <a:rPr lang="en-US" altLang="ko-KR" sz="1800" dirty="0" smtClean="0"/>
+              <a:t>, use </a:t>
+            </a:r>
+            <a:endParaRPr lang="ko-KR" altLang="en-US" sz="1800" dirty="0"/>
+          </a:p>
+        </p:txBody>
+      </p:sp>
+      <p:pic>
+        <p:nvPicPr>
+          <p:cNvPr id="5" name="그림 4"/>
+          <p:cNvPicPr>
+            <a:picLocks noChangeAspect="1"/>
+          </p:cNvPicPr>
+          <p:nvPr/>
+        </p:nvPicPr>
+        <p:blipFill>
+          <a:blip r:embed="rId2"/>
+          <a:stretch>
+            <a:fillRect/>
+          </a:stretch>
+        </p:blipFill>
+        <p:spPr>
+          <a:xfrm>
+            <a:off x="7840491" y="5364248"/>
+            <a:ext cx="1552575" cy="923925"/>
+          </a:xfrm>
+          <a:prstGeom prst="rect">
+            <a:avLst/>
+          </a:prstGeom>
+        </p:spPr>
+      </p:pic>
     </p:spTree>
     <p:extLst>
       <p:ext uri="{BB962C8B-B14F-4D97-AF65-F5344CB8AC3E}">
